--- a/frontend-cursus/ 1 - HTML + CSS.pptx
+++ b/frontend-cursus/ 1 - HTML + CSS.pptx
@@ -7719,10 +7719,9 @@
               <a:buNone/>
             </a:pPr>
             <a:r>
-              <a:rPr lang="en-US" dirty="0" smtClean="0"/>
+              <a:rPr lang="en-US" dirty="0"/>
               <a:t>HTML + CSS</a:t>
             </a:r>
-            <a:endParaRPr lang="en-US" dirty="0"/>
           </a:p>
         </p:txBody>
       </p:sp>
@@ -7758,7 +7757,7 @@
               <a:buNone/>
             </a:pPr>
             <a:r>
-              <a:rPr lang="en-US" b="1" dirty="0" smtClean="0"/>
+              <a:rPr lang="en-US" b="1" dirty="0"/>
               <a:t>See:</a:t>
             </a:r>
           </a:p>
@@ -7780,17 +7779,27 @@
             </a:pPr>
             <a:r>
               <a:rPr lang="en-US" b="1" dirty="0">
+                <a:solidFill>
+                  <a:srgbClr val="0070C0"/>
+                </a:solidFill>
+                <a:highlight>
+                  <a:srgbClr val="FFFF00"/>
+                </a:highlight>
                 <a:hlinkClick r:id="rId3"/>
               </a:rPr>
-              <a:t>https://www.w3schools.com</a:t>
+              <a:t>https://www.w3schools.com/</a:t>
             </a:r>
             <a:r>
-              <a:rPr lang="en-US" b="1" dirty="0" smtClean="0">
-                <a:hlinkClick r:id="rId3"/>
+              <a:rPr lang="en-US" b="1" dirty="0">
+                <a:solidFill>
+                  <a:srgbClr val="FF0000"/>
+                </a:solidFill>
+                <a:highlight>
+                  <a:srgbClr val="FFFF00"/>
+                </a:highlight>
               </a:rPr>
-              <a:t>/</a:t>
+              <a:t>html</a:t>
             </a:r>
-            <a:endParaRPr lang="en-US" b="1" dirty="0" smtClean="0"/>
           </a:p>
           <a:p>
             <a:pPr lvl="0" algn="ctr">
@@ -7799,7 +7808,7 @@
               </a:spcBef>
               <a:buNone/>
             </a:pPr>
-            <a:endParaRPr lang="en-US" b="1"/>
+            <a:endParaRPr lang="en-US" b="1" dirty="0"/>
           </a:p>
           <a:p>
             <a:pPr lvl="0" algn="ctr">

--- a/frontend-cursus/ 1 - HTML + CSS.pptx
+++ b/frontend-cursus/ 1 - HTML + CSS.pptx
@@ -7797,8 +7797,131 @@
                 <a:highlight>
                   <a:srgbClr val="FFFF00"/>
                 </a:highlight>
+                <a:hlinkClick r:id="rId3"/>
               </a:rPr>
               <a:t>html</a:t>
+            </a:r>
+            <a:endParaRPr lang="en-US" b="1" dirty="0">
+              <a:solidFill>
+                <a:srgbClr val="FF0000"/>
+              </a:solidFill>
+              <a:highlight>
+                <a:srgbClr val="FFFF00"/>
+              </a:highlight>
+            </a:endParaRPr>
+          </a:p>
+          <a:p>
+            <a:pPr lvl="0" algn="ctr">
+              <a:spcBef>
+                <a:spcPts val="0"/>
+              </a:spcBef>
+              <a:buNone/>
+            </a:pPr>
+            <a:endParaRPr lang="en-US" b="1" dirty="0">
+              <a:solidFill>
+                <a:srgbClr val="FF0000"/>
+              </a:solidFill>
+              <a:highlight>
+                <a:srgbClr val="FFFF00"/>
+              </a:highlight>
+            </a:endParaRPr>
+          </a:p>
+          <a:p>
+            <a:pPr lvl="0" algn="ctr">
+              <a:spcBef>
+                <a:spcPts val="0"/>
+              </a:spcBef>
+              <a:buNone/>
+            </a:pPr>
+            <a:r>
+              <a:rPr lang="en-US" b="1" dirty="0">
+                <a:solidFill>
+                  <a:schemeClr val="bg1"/>
+                </a:solidFill>
+                <a:highlight>
+                  <a:srgbClr val="000000"/>
+                </a:highlight>
+              </a:rPr>
+              <a:t>And:</a:t>
+            </a:r>
+          </a:p>
+          <a:p>
+            <a:pPr lvl="0" algn="ctr">
+              <a:spcBef>
+                <a:spcPts val="0"/>
+              </a:spcBef>
+              <a:buNone/>
+            </a:pPr>
+            <a:endParaRPr lang="en-US" b="1" dirty="0">
+              <a:solidFill>
+                <a:srgbClr val="FF0000"/>
+              </a:solidFill>
+              <a:highlight>
+                <a:srgbClr val="FFFF00"/>
+              </a:highlight>
+            </a:endParaRPr>
+          </a:p>
+          <a:p>
+            <a:pPr lvl="0" algn="ctr">
+              <a:spcBef>
+                <a:spcPts val="0"/>
+              </a:spcBef>
+              <a:buNone/>
+            </a:pPr>
+            <a:r>
+              <a:rPr lang="en-US" b="1" dirty="0">
+                <a:solidFill>
+                  <a:srgbClr val="C00000"/>
+                </a:solidFill>
+                <a:highlight>
+                  <a:srgbClr val="FFFF00"/>
+                </a:highlight>
+              </a:rPr>
+              <a:t>https://</a:t>
+            </a:r>
+            <a:r>
+              <a:rPr lang="en-US" b="1" dirty="0" err="1">
+                <a:solidFill>
+                  <a:srgbClr val="C00000"/>
+                </a:solidFill>
+                <a:highlight>
+                  <a:srgbClr val="FFFF00"/>
+                </a:highlight>
+              </a:rPr>
+              <a:t>www.internetingishard.com</a:t>
+            </a:r>
+            <a:r>
+              <a:rPr lang="en-US" b="1" dirty="0">
+                <a:solidFill>
+                  <a:srgbClr val="C00000"/>
+                </a:solidFill>
+                <a:highlight>
+                  <a:srgbClr val="FFFF00"/>
+                </a:highlight>
+              </a:rPr>
+              <a:t>/html-and-</a:t>
+            </a:r>
+            <a:r>
+              <a:rPr lang="en-US" b="1" dirty="0" err="1">
+                <a:solidFill>
+                  <a:srgbClr val="C00000"/>
+                </a:solidFill>
+                <a:highlight>
+                  <a:srgbClr val="FFFF00"/>
+                </a:highlight>
+              </a:rPr>
+              <a:t>css</a:t>
+            </a:r>
+            <a:r>
+              <a:rPr lang="en-US" b="1" dirty="0">
+                <a:solidFill>
+                  <a:srgbClr val="C00000"/>
+                </a:solidFill>
+                <a:highlight>
+                  <a:srgbClr val="FFFF00"/>
+                </a:highlight>
+              </a:rPr>
+              <a:t>/basic-web-pages/</a:t>
             </a:r>
           </a:p>
           <a:p>

--- a/frontend-cursus/ 1 - HTML + CSS.pptx
+++ b/frontend-cursus/ 1 - HTML + CSS.pptx
@@ -5,10 +5,11 @@
     <p:sldMasterId id="2147483660" r:id="rId1"/>
   </p:sldMasterIdLst>
   <p:notesMasterIdLst>
-    <p:notesMasterId r:id="rId3"/>
+    <p:notesMasterId r:id="rId4"/>
   </p:notesMasterIdLst>
   <p:sldIdLst>
-    <p:sldId id="257" r:id="rId2"/>
+    <p:sldId id="258" r:id="rId2"/>
+    <p:sldId id="257" r:id="rId3"/>
   </p:sldIdLst>
   <p:sldSz cx="13004800" cy="9753600"/>
   <p:notesSz cx="6858000" cy="9144000"/>
@@ -7671,6 +7672,83 @@
 </file>
 
 <file path=ppt/slides/slide1.xml><?xml version="1.0" encoding="utf-8"?>
+<p:sld xmlns:a="http://schemas.openxmlformats.org/drawingml/2006/main" xmlns:r="http://schemas.openxmlformats.org/officeDocument/2006/relationships" xmlns:p="http://schemas.openxmlformats.org/presentationml/2006/main">
+  <p:cSld>
+    <p:spTree>
+      <p:nvGrpSpPr>
+        <p:cNvPr id="1" name=""/>
+        <p:cNvGrpSpPr/>
+        <p:nvPr/>
+      </p:nvGrpSpPr>
+      <p:grpSpPr>
+        <a:xfrm>
+          <a:off x="0" y="0"/>
+          <a:ext cx="0" cy="0"/>
+          <a:chOff x="0" y="0"/>
+          <a:chExt cx="0" cy="0"/>
+        </a:xfrm>
+      </p:grpSpPr>
+      <p:pic>
+        <p:nvPicPr>
+          <p:cNvPr id="2050" name="Picture 2" descr="Muursticker Compositie met groot rood vlak, geel, zwart, grijs en blauw">
+            <a:extLst>
+              <a:ext uri="{FF2B5EF4-FFF2-40B4-BE49-F238E27FC236}">
+                <a16:creationId xmlns:a16="http://schemas.microsoft.com/office/drawing/2014/main" id="{54DC77D3-9442-8942-B912-350E8985E167}"/>
+              </a:ext>
+            </a:extLst>
+          </p:cNvPr>
+          <p:cNvPicPr>
+            <a:picLocks noChangeAspect="1" noChangeArrowheads="1"/>
+          </p:cNvPicPr>
+          <p:nvPr/>
+        </p:nvPicPr>
+        <p:blipFill>
+          <a:blip r:embed="rId2">
+            <a:extLst>
+              <a:ext uri="{28A0092B-C50C-407E-A947-70E740481C1C}">
+                <a14:useLocalDpi xmlns:a14="http://schemas.microsoft.com/office/drawing/2010/main" val="0"/>
+              </a:ext>
+            </a:extLst>
+          </a:blip>
+          <a:srcRect/>
+          <a:stretch>
+            <a:fillRect/>
+          </a:stretch>
+        </p:blipFill>
+        <p:spPr bwMode="auto">
+          <a:xfrm>
+            <a:off x="3327400" y="1714500"/>
+            <a:ext cx="6350000" cy="6324600"/>
+          </a:xfrm>
+          <a:prstGeom prst="rect">
+            <a:avLst/>
+          </a:prstGeom>
+          <a:noFill/>
+          <a:extLst>
+            <a:ext uri="{909E8E84-426E-40DD-AFC4-6F175D3DCCD1}">
+              <a14:hiddenFill xmlns:a14="http://schemas.microsoft.com/office/drawing/2010/main">
+                <a:solidFill>
+                  <a:srgbClr val="FFFFFF"/>
+                </a:solidFill>
+              </a14:hiddenFill>
+            </a:ext>
+          </a:extLst>
+        </p:spPr>
+      </p:pic>
+    </p:spTree>
+    <p:extLst>
+      <p:ext uri="{BB962C8B-B14F-4D97-AF65-F5344CB8AC3E}">
+        <p14:creationId xmlns:p14="http://schemas.microsoft.com/office/powerpoint/2010/main" val="3759891257"/>
+      </p:ext>
+    </p:extLst>
+  </p:cSld>
+  <p:clrMapOvr>
+    <a:masterClrMapping/>
+  </p:clrMapOvr>
+</p:sld>
+</file>
+
+<file path=ppt/slides/slide2.xml><?xml version="1.0" encoding="utf-8"?>
 <p:sld xmlns:a="http://schemas.openxmlformats.org/drawingml/2006/main" xmlns:r="http://schemas.openxmlformats.org/officeDocument/2006/relationships" xmlns:p="http://schemas.openxmlformats.org/presentationml/2006/main">
   <p:cSld>
     <p:spTree>
